--- a/2018180040 - 2DGP 2차 발표 프레젠테이션.pptx
+++ b/2018180040 - 2DGP 2차 발표 프레젠테이션.pptx
@@ -221,7 +221,7 @@
               <a:pPr lvl="0">
                 <a:defRPr lang="ko-KR" altLang="en-US"/>
               </a:pPr>
-              <a:t>2022-10-18</a:t>
+              <a:t>2022-10-19</a:t>
             </a:fld>
             <a:endParaRPr lang="ko-KR" altLang="en-US"/>
           </a:p>
@@ -781,7 +781,7 @@
           <a:p>
             <a:fld id="{5DEF9E08-89F7-4BEF-8B6A-F0B3DC75C2BF}" type="datetimeFigureOut">
               <a:rPr lang="ko-KR" altLang="en-US" smtClean="0"/>
-              <a:t>2022-10-18</a:t>
+              <a:t>2022-10-19</a:t>
             </a:fld>
             <a:endParaRPr lang="ko-KR" altLang="en-US"/>
           </a:p>
@@ -2585,7 +2585,7 @@
           <a:p>
             <a:fld id="{5DEF9E08-89F7-4BEF-8B6A-F0B3DC75C2BF}" type="datetimeFigureOut">
               <a:rPr lang="ko-KR" altLang="en-US" smtClean="0"/>
-              <a:t>2022-10-18</a:t>
+              <a:t>2022-10-19</a:t>
             </a:fld>
             <a:endParaRPr lang="ko-KR" altLang="en-US"/>
           </a:p>
@@ -2765,7 +2765,7 @@
           <a:p>
             <a:fld id="{5DEF9E08-89F7-4BEF-8B6A-F0B3DC75C2BF}" type="datetimeFigureOut">
               <a:rPr lang="ko-KR" altLang="en-US" smtClean="0"/>
-              <a:t>2022-10-18</a:t>
+              <a:t>2022-10-19</a:t>
             </a:fld>
             <a:endParaRPr lang="ko-KR" altLang="en-US"/>
           </a:p>
@@ -2940,7 +2940,7 @@
           <a:p>
             <a:fld id="{5DEF9E08-89F7-4BEF-8B6A-F0B3DC75C2BF}" type="datetimeFigureOut">
               <a:rPr lang="ko-KR" altLang="en-US" smtClean="0"/>
-              <a:t>2022-10-18</a:t>
+              <a:t>2022-10-19</a:t>
             </a:fld>
             <a:endParaRPr lang="ko-KR" altLang="en-US"/>
           </a:p>
@@ -3188,7 +3188,7 @@
           <a:p>
             <a:fld id="{5DEF9E08-89F7-4BEF-8B6A-F0B3DC75C2BF}" type="datetimeFigureOut">
               <a:rPr lang="ko-KR" altLang="en-US" smtClean="0"/>
-              <a:t>2022-10-18</a:t>
+              <a:t>2022-10-19</a:t>
             </a:fld>
             <a:endParaRPr lang="ko-KR" altLang="en-US"/>
           </a:p>
@@ -5110,7 +5110,7 @@
           <a:p>
             <a:fld id="{5DEF9E08-89F7-4BEF-8B6A-F0B3DC75C2BF}" type="datetimeFigureOut">
               <a:rPr lang="ko-KR" altLang="en-US" smtClean="0"/>
-              <a:t>2022-10-18</a:t>
+              <a:t>2022-10-19</a:t>
             </a:fld>
             <a:endParaRPr lang="ko-KR" altLang="en-US"/>
           </a:p>
@@ -5546,7 +5546,7 @@
           <a:p>
             <a:fld id="{5DEF9E08-89F7-4BEF-8B6A-F0B3DC75C2BF}" type="datetimeFigureOut">
               <a:rPr lang="ko-KR" altLang="en-US" smtClean="0"/>
-              <a:t>2022-10-18</a:t>
+              <a:t>2022-10-19</a:t>
             </a:fld>
             <a:endParaRPr lang="ko-KR" altLang="en-US"/>
           </a:p>
@@ -5664,7 +5664,7 @@
           <a:p>
             <a:fld id="{5DEF9E08-89F7-4BEF-8B6A-F0B3DC75C2BF}" type="datetimeFigureOut">
               <a:rPr lang="ko-KR" altLang="en-US" smtClean="0"/>
-              <a:t>2022-10-18</a:t>
+              <a:t>2022-10-19</a:t>
             </a:fld>
             <a:endParaRPr lang="ko-KR" altLang="en-US"/>
           </a:p>
@@ -5759,7 +5759,7 @@
           <a:p>
             <a:fld id="{5DEF9E08-89F7-4BEF-8B6A-F0B3DC75C2BF}" type="datetimeFigureOut">
               <a:rPr lang="ko-KR" altLang="en-US" smtClean="0"/>
-              <a:t>2022-10-18</a:t>
+              <a:t>2022-10-19</a:t>
             </a:fld>
             <a:endParaRPr lang="ko-KR" altLang="en-US"/>
           </a:p>
@@ -6056,7 +6056,7 @@
           <a:p>
             <a:fld id="{5DEF9E08-89F7-4BEF-8B6A-F0B3DC75C2BF}" type="datetimeFigureOut">
               <a:rPr lang="ko-KR" altLang="en-US" smtClean="0"/>
-              <a:t>2022-10-18</a:t>
+              <a:t>2022-10-19</a:t>
             </a:fld>
             <a:endParaRPr lang="ko-KR" altLang="en-US"/>
           </a:p>
@@ -6328,7 +6328,7 @@
           <a:p>
             <a:fld id="{5DEF9E08-89F7-4BEF-8B6A-F0B3DC75C2BF}" type="datetimeFigureOut">
               <a:rPr lang="ko-KR" altLang="en-US" smtClean="0"/>
-              <a:t>2022-10-18</a:t>
+              <a:t>2022-10-19</a:t>
             </a:fld>
             <a:endParaRPr lang="ko-KR" altLang="en-US"/>
           </a:p>
@@ -9441,7 +9441,7 @@
           <a:p>
             <a:fld id="{5DEF9E08-89F7-4BEF-8B6A-F0B3DC75C2BF}" type="datetimeFigureOut">
               <a:rPr lang="ko-KR" altLang="en-US" smtClean="0"/>
-              <a:t>2022-10-18</a:t>
+              <a:t>2022-10-19</a:t>
             </a:fld>
             <a:endParaRPr lang="ko-KR" altLang="en-US"/>
           </a:p>
@@ -13086,7 +13086,7 @@
                 <a:latin typeface="ONE 모바일POP OTF"/>
                 <a:ea typeface="ONE 모바일POP OTF"/>
               </a:rPr>
-              <a:t>(90%)</a:t>
+              <a:t>(80%)</a:t>
             </a:r>
           </a:p>
           <a:p>
@@ -14683,6 +14683,42 @@
           </a:p>
         </p:txBody>
       </p:sp>
+      <p:pic>
+        <p:nvPicPr>
+          <p:cNvPr id="3" name="그림 2">
+            <a:extLst>
+              <a:ext uri="{FF2B5EF4-FFF2-40B4-BE49-F238E27FC236}">
+                <a16:creationId xmlns:a16="http://schemas.microsoft.com/office/drawing/2014/main" id="{801F8874-4A66-0412-09C0-890CE2EC3052}"/>
+              </a:ext>
+            </a:extLst>
+          </p:cNvPr>
+          <p:cNvPicPr>
+            <a:picLocks noChangeAspect="1"/>
+          </p:cNvPicPr>
+          <p:nvPr/>
+        </p:nvPicPr>
+        <p:blipFill>
+          <a:blip r:embed="rId2">
+            <a:extLst>
+              <a:ext uri="{28A0092B-C50C-407E-A947-70E740481C1C}">
+                <a14:useLocalDpi xmlns:a14="http://schemas.microsoft.com/office/drawing/2010/main" val="0"/>
+              </a:ext>
+            </a:extLst>
+          </a:blip>
+          <a:stretch>
+            <a:fillRect/>
+          </a:stretch>
+        </p:blipFill>
+        <p:spPr>
+          <a:xfrm>
+            <a:off x="3047349" y="1188721"/>
+            <a:ext cx="8732520" cy="5196840"/>
+          </a:xfrm>
+          <a:prstGeom prst="rect">
+            <a:avLst/>
+          </a:prstGeom>
+        </p:spPr>
+      </p:pic>
     </p:spTree>
     <p:extLst>
       <p:ext uri="{BB962C8B-B14F-4D97-AF65-F5344CB8AC3E}">
